--- a/Thumbnail.pptx
+++ b/Thumbnail.pptx
@@ -107,6 +107,11 @@
       </a:defRPr>
     </a:lvl9pPr>
   </p:defaultTextStyle>
+  <p:extLst>
+    <p:ext uri="{EFAFB233-063F-42B5-8137-9DF3F51BA10A}">
+      <p15:sldGuideLst xmlns:p15="http://schemas.microsoft.com/office/powerpoint/2012/main"/>
+    </p:ext>
+  </p:extLst>
 </p:presentation>
 </file>
 
@@ -3925,6 +3930,277 @@
                   <a:latin typeface="Arial Black" panose="020B0A04020102020204" pitchFamily="34" charset="0"/>
                 </a:rPr>
                 <a:t>PYTHON</a:t>
+              </a:r>
+            </a:p>
+          </p:txBody>
+        </p:sp>
+      </p:grpSp>
+      <p:grpSp>
+        <p:nvGrpSpPr>
+          <p:cNvPr id="8" name="Group 7">
+            <a:extLst>
+              <a:ext uri="{FF2B5EF4-FFF2-40B4-BE49-F238E27FC236}">
+                <a16:creationId xmlns:a16="http://schemas.microsoft.com/office/drawing/2014/main" id="{A862EFFF-8F10-E875-3CA2-B0E8C5441905}"/>
+              </a:ext>
+            </a:extLst>
+          </p:cNvPr>
+          <p:cNvGrpSpPr/>
+          <p:nvPr/>
+        </p:nvGrpSpPr>
+        <p:grpSpPr>
+          <a:xfrm>
+            <a:off x="1305974" y="3865693"/>
+            <a:ext cx="5094826" cy="1516203"/>
+            <a:chOff x="1305974" y="3865693"/>
+            <a:chExt cx="5094826" cy="1516203"/>
+          </a:xfrm>
+        </p:grpSpPr>
+        <p:sp>
+          <p:nvSpPr>
+            <p:cNvPr id="3" name="Rectangle 2">
+              <a:extLst>
+                <a:ext uri="{FF2B5EF4-FFF2-40B4-BE49-F238E27FC236}">
+                  <a16:creationId xmlns:a16="http://schemas.microsoft.com/office/drawing/2014/main" id="{0116DA47-6C9C-26AE-201A-61BFAD8E8E58}"/>
+                </a:ext>
+              </a:extLst>
+            </p:cNvPr>
+            <p:cNvSpPr/>
+            <p:nvPr/>
+          </p:nvSpPr>
+          <p:spPr>
+            <a:xfrm>
+              <a:off x="1305974" y="3865693"/>
+              <a:ext cx="5094826" cy="1516203"/>
+            </a:xfrm>
+            <a:prstGeom prst="rect">
+              <a:avLst/>
+            </a:prstGeom>
+            <a:ln>
+              <a:noFill/>
+            </a:ln>
+          </p:spPr>
+          <p:style>
+            <a:lnRef idx="2">
+              <a:schemeClr val="accent1">
+                <a:shade val="15000"/>
+              </a:schemeClr>
+            </a:lnRef>
+            <a:fillRef idx="1">
+              <a:schemeClr val="accent1"/>
+            </a:fillRef>
+            <a:effectRef idx="0">
+              <a:schemeClr val="accent1"/>
+            </a:effectRef>
+            <a:fontRef idx="minor">
+              <a:schemeClr val="lt1"/>
+            </a:fontRef>
+          </p:style>
+          <p:txBody>
+            <a:bodyPr rtlCol="0" anchor="ctr"/>
+            <a:lstStyle/>
+            <a:p>
+              <a:pPr algn="ctr"/>
+              <a:endParaRPr lang="en-AU"/>
+            </a:p>
+          </p:txBody>
+        </p:sp>
+        <p:sp>
+          <p:nvSpPr>
+            <p:cNvPr id="4" name="Rectangle 3">
+              <a:extLst>
+                <a:ext uri="{FF2B5EF4-FFF2-40B4-BE49-F238E27FC236}">
+                  <a16:creationId xmlns:a16="http://schemas.microsoft.com/office/drawing/2014/main" id="{CF93E239-3FEB-7F42-33BA-1C1CE59FFBF0}"/>
+                </a:ext>
+              </a:extLst>
+            </p:cNvPr>
+            <p:cNvSpPr/>
+            <p:nvPr/>
+          </p:nvSpPr>
+          <p:spPr>
+            <a:xfrm>
+              <a:off x="1515201" y="3933863"/>
+              <a:ext cx="2847253" cy="769441"/>
+            </a:xfrm>
+            <a:prstGeom prst="rect">
+              <a:avLst/>
+            </a:prstGeom>
+            <a:noFill/>
+            <a:ln>
+              <a:noFill/>
+            </a:ln>
+            <a:effectLst>
+              <a:outerShdw blurRad="50800" dist="38100" dir="2700000" algn="tl" rotWithShape="0">
+                <a:prstClr val="black">
+                  <a:alpha val="40000"/>
+                </a:prstClr>
+              </a:outerShdw>
+            </a:effectLst>
+          </p:spPr>
+          <p:style>
+            <a:lnRef idx="2">
+              <a:schemeClr val="dk1"/>
+            </a:lnRef>
+            <a:fillRef idx="1">
+              <a:schemeClr val="lt1"/>
+            </a:fillRef>
+            <a:effectRef idx="0">
+              <a:schemeClr val="dk1"/>
+            </a:effectRef>
+            <a:fontRef idx="minor">
+              <a:schemeClr val="dk1"/>
+            </a:fontRef>
+          </p:style>
+          <p:txBody>
+            <a:bodyPr wrap="none" lIns="91440" tIns="45720" rIns="91440" bIns="45720">
+              <a:spAutoFit/>
+            </a:bodyPr>
+            <a:lstStyle/>
+            <a:p>
+              <a:pPr algn="ctr"/>
+              <a:r>
+                <a:rPr lang="en-US" sz="4400" dirty="0">
+                  <a:ln w="0"/>
+                  <a:solidFill>
+                    <a:schemeClr val="bg1">
+                      <a:lumMod val="75000"/>
+                    </a:schemeClr>
+                  </a:solidFill>
+                  <a:effectLst>
+                    <a:outerShdw blurRad="38100" dist="19050" dir="2700000" algn="tl" rotWithShape="0">
+                      <a:schemeClr val="dk1">
+                        <a:alpha val="40000"/>
+                      </a:schemeClr>
+                    </a:outerShdw>
+                  </a:effectLst>
+                  <a:latin typeface="Arial Black" panose="020B0A04020102020204" pitchFamily="34" charset="0"/>
+                </a:rPr>
+                <a:t>PYTHON</a:t>
+              </a:r>
+            </a:p>
+          </p:txBody>
+        </p:sp>
+        <p:sp>
+          <p:nvSpPr>
+            <p:cNvPr id="5" name="Rectangle 4">
+              <a:extLst>
+                <a:ext uri="{FF2B5EF4-FFF2-40B4-BE49-F238E27FC236}">
+                  <a16:creationId xmlns:a16="http://schemas.microsoft.com/office/drawing/2014/main" id="{68F92653-7048-F4B9-9FB6-3E5B144B1F60}"/>
+                </a:ext>
+              </a:extLst>
+            </p:cNvPr>
+            <p:cNvSpPr/>
+            <p:nvPr/>
+          </p:nvSpPr>
+          <p:spPr>
+            <a:xfrm>
+              <a:off x="4362454" y="4230340"/>
+              <a:ext cx="1745221" cy="369332"/>
+            </a:xfrm>
+            <a:prstGeom prst="rect">
+              <a:avLst/>
+            </a:prstGeom>
+            <a:noFill/>
+          </p:spPr>
+          <p:txBody>
+            <a:bodyPr wrap="none" lIns="91440" tIns="45720" rIns="91440" bIns="45720">
+              <a:spAutoFit/>
+            </a:bodyPr>
+            <a:lstStyle/>
+            <a:p>
+              <a:pPr algn="ctr"/>
+              <a:r>
+                <a:rPr lang="en-US" b="0" cap="none" spc="0" dirty="0">
+                  <a:ln w="0"/>
+                  <a:solidFill>
+                    <a:schemeClr val="bg1">
+                      <a:lumMod val="75000"/>
+                    </a:schemeClr>
+                  </a:solidFill>
+                  <a:effectLst>
+                    <a:outerShdw blurRad="38100" dist="19050" dir="2700000" algn="tl" rotWithShape="0">
+                      <a:schemeClr val="dk1">
+                        <a:alpha val="40000"/>
+                      </a:schemeClr>
+                    </a:outerShdw>
+                  </a:effectLst>
+                  <a:latin typeface="Arial Black" panose="020B0A04020102020204" pitchFamily="34" charset="0"/>
+                </a:rPr>
+                <a:t>BASICS FOR</a:t>
+              </a:r>
+            </a:p>
+          </p:txBody>
+        </p:sp>
+        <p:sp>
+          <p:nvSpPr>
+            <p:cNvPr id="7" name="Rectangle 6">
+              <a:extLst>
+                <a:ext uri="{FF2B5EF4-FFF2-40B4-BE49-F238E27FC236}">
+                  <a16:creationId xmlns:a16="http://schemas.microsoft.com/office/drawing/2014/main" id="{42C692AC-14AB-FE6E-BA49-1644AEF6A82F}"/>
+                </a:ext>
+              </a:extLst>
+            </p:cNvPr>
+            <p:cNvSpPr/>
+            <p:nvPr/>
+          </p:nvSpPr>
+          <p:spPr>
+            <a:xfrm>
+              <a:off x="1548065" y="4709578"/>
+              <a:ext cx="4676812" cy="523220"/>
+            </a:xfrm>
+            <a:prstGeom prst="rect">
+              <a:avLst/>
+            </a:prstGeom>
+            <a:noFill/>
+            <a:ln>
+              <a:noFill/>
+            </a:ln>
+            <a:effectLst>
+              <a:outerShdw blurRad="50800" dist="38100" dir="2700000" algn="tl" rotWithShape="0">
+                <a:prstClr val="black">
+                  <a:alpha val="40000"/>
+                </a:prstClr>
+              </a:outerShdw>
+            </a:effectLst>
+          </p:spPr>
+          <p:style>
+            <a:lnRef idx="2">
+              <a:schemeClr val="dk1"/>
+            </a:lnRef>
+            <a:fillRef idx="1">
+              <a:schemeClr val="lt1"/>
+            </a:fillRef>
+            <a:effectRef idx="0">
+              <a:schemeClr val="dk1"/>
+            </a:effectRef>
+            <a:fontRef idx="minor">
+              <a:schemeClr val="dk1"/>
+            </a:fontRef>
+          </p:style>
+          <p:txBody>
+            <a:bodyPr wrap="square" lIns="91440" tIns="45720" rIns="91440" bIns="45720">
+              <a:spAutoFit/>
+            </a:bodyPr>
+            <a:lstStyle/>
+            <a:p>
+              <a:pPr algn="ctr"/>
+              <a:r>
+                <a:rPr lang="en-US" sz="2800" dirty="0">
+                  <a:ln w="0"/>
+                  <a:solidFill>
+                    <a:schemeClr val="bg1">
+                      <a:lumMod val="75000"/>
+                    </a:schemeClr>
+                  </a:solidFill>
+                  <a:effectLst>
+                    <a:outerShdw blurRad="38100" dist="19050" dir="2700000" algn="tl" rotWithShape="0">
+                      <a:schemeClr val="dk1">
+                        <a:alpha val="40000"/>
+                      </a:schemeClr>
+                    </a:outerShdw>
+                  </a:effectLst>
+                  <a:latin typeface="Arial Black" panose="020B0A04020102020204" pitchFamily="34" charset="0"/>
+                </a:rPr>
+                <a:t>NETWORK ENGNEERS</a:t>
               </a:r>
             </a:p>
           </p:txBody>
